--- a/Case study.pptx
+++ b/Case study.pptx
@@ -9145,7 +9145,7 @@
             </a:pPr>
             <a:r>
               <a:rPr lang="en"/>
-              <a:t>Git / Gitbub</a:t>
+              <a:t>Git / Gitbub 수정</a:t>
             </a:r>
             <a:endParaRPr/>
           </a:p>
